--- a/distortionCamera/distortionCamera/images/partsImages.pptx
+++ b/distortionCamera/distortionCamera/images/partsImages.pptx
@@ -3402,7 +3402,7 @@
         </p:nvSpPr>
         <p:spPr>
           <a:xfrm>
-            <a:off x="1246909" y="1166091"/>
+            <a:off x="385892" y="510761"/>
             <a:ext cx="1841500" cy="1143000"/>
           </a:xfrm>
           <a:prstGeom prst="roundRect">
@@ -3422,8 +3422,22 @@
             </a:gsLst>
             <a:lin ang="5400000" scaled="0"/>
           </a:gradFill>
-          <a:ln>
-            <a:noFill/>
+          <a:ln w="38100" cmpd="sng">
+            <a:gradFill flip="none" rotWithShape="1">
+              <a:gsLst>
+                <a:gs pos="0">
+                  <a:srgbClr val="333333"/>
+                </a:gs>
+                <a:gs pos="100000">
+                  <a:prstClr val="white"/>
+                </a:gs>
+                <a:gs pos="20000">
+                  <a:srgbClr val="333333"/>
+                </a:gs>
+              </a:gsLst>
+              <a:lin ang="16200000" scaled="0"/>
+              <a:tileRect/>
+            </a:gradFill>
           </a:ln>
           <a:effectLst/>
         </p:spPr>
@@ -3458,7 +3472,7 @@
         </p:nvGrpSpPr>
         <p:grpSpPr>
           <a:xfrm>
-            <a:off x="1577121" y="1352802"/>
+            <a:off x="716104" y="697472"/>
             <a:ext cx="1157987" cy="769578"/>
             <a:chOff x="3770757" y="2074511"/>
             <a:chExt cx="1157987" cy="769578"/>
@@ -3618,230 +3632,6 @@
           </p:txBody>
         </p:sp>
       </p:grpSp>
-      <p:sp>
-        <p:nvSpPr>
-          <p:cNvPr id="24" name="角丸四角形 23"/>
-          <p:cNvSpPr/>
-          <p:nvPr/>
-        </p:nvSpPr>
-        <p:spPr>
-          <a:xfrm>
-            <a:off x="4100945" y="1210758"/>
-            <a:ext cx="1841500" cy="1143000"/>
-          </a:xfrm>
-          <a:prstGeom prst="roundRect">
-            <a:avLst/>
-          </a:prstGeom>
-          <a:gradFill>
-            <a:gsLst>
-              <a:gs pos="0">
-                <a:srgbClr val="E6E6E6"/>
-              </a:gs>
-              <a:gs pos="100000">
-                <a:srgbClr val="383838"/>
-              </a:gs>
-              <a:gs pos="80000">
-                <a:srgbClr val="E6E6E6"/>
-              </a:gs>
-            </a:gsLst>
-            <a:lin ang="16200000" scaled="0"/>
-          </a:gradFill>
-          <a:ln>
-            <a:noFill/>
-          </a:ln>
-          <a:effectLst/>
-        </p:spPr>
-        <p:style>
-          <a:lnRef idx="1">
-            <a:schemeClr val="accent1"/>
-          </a:lnRef>
-          <a:fillRef idx="3">
-            <a:schemeClr val="accent1"/>
-          </a:fillRef>
-          <a:effectRef idx="2">
-            <a:schemeClr val="accent1"/>
-          </a:effectRef>
-          <a:fontRef idx="minor">
-            <a:schemeClr val="lt1"/>
-          </a:fontRef>
-        </p:style>
-        <p:txBody>
-          <a:bodyPr rtlCol="0" anchor="ctr"/>
-          <a:lstStyle/>
-          <a:p>
-            <a:pPr algn="ctr"/>
-            <a:endParaRPr kumimoji="1" lang="ja-JP" altLang="en-US" dirty="0"/>
-          </a:p>
-        </p:txBody>
-      </p:sp>
-      <p:grpSp>
-        <p:nvGrpSpPr>
-          <p:cNvPr id="25" name="図形グループ 24"/>
-          <p:cNvGrpSpPr/>
-          <p:nvPr/>
-        </p:nvGrpSpPr>
-        <p:grpSpPr>
-          <a:xfrm>
-            <a:off x="4431157" y="1397469"/>
-            <a:ext cx="1157987" cy="769578"/>
-            <a:chOff x="3770757" y="2074511"/>
-            <a:chExt cx="1157987" cy="769578"/>
-          </a:xfrm>
-        </p:grpSpPr>
-        <p:sp>
-          <p:nvSpPr>
-            <p:cNvPr id="26" name="角丸四角形 25"/>
-            <p:cNvSpPr/>
-            <p:nvPr/>
-          </p:nvSpPr>
-          <p:spPr>
-            <a:xfrm>
-              <a:off x="3770757" y="2277157"/>
-              <a:ext cx="1157987" cy="566932"/>
-            </a:xfrm>
-            <a:prstGeom prst="roundRect">
-              <a:avLst/>
-            </a:prstGeom>
-            <a:solidFill>
-              <a:srgbClr val="191919"/>
-            </a:solidFill>
-            <a:ln>
-              <a:noFill/>
-            </a:ln>
-            <a:effectLst/>
-            <a:scene3d>
-              <a:camera prst="orthographicFront"/>
-              <a:lightRig rig="threePt" dir="t"/>
-            </a:scene3d>
-            <a:sp3d/>
-          </p:spPr>
-          <p:style>
-            <a:lnRef idx="1">
-              <a:schemeClr val="accent1"/>
-            </a:lnRef>
-            <a:fillRef idx="3">
-              <a:schemeClr val="accent1"/>
-            </a:fillRef>
-            <a:effectRef idx="2">
-              <a:schemeClr val="accent1"/>
-            </a:effectRef>
-            <a:fontRef idx="minor">
-              <a:schemeClr val="lt1"/>
-            </a:fontRef>
-          </p:style>
-          <p:txBody>
-            <a:bodyPr rtlCol="0" anchor="ctr"/>
-            <a:lstStyle/>
-            <a:p>
-              <a:pPr algn="ctr"/>
-              <a:endParaRPr kumimoji="1" lang="ja-JP" altLang="en-US"/>
-            </a:p>
-          </p:txBody>
-        </p:sp>
-        <p:sp>
-          <p:nvSpPr>
-            <p:cNvPr id="27" name="角丸四角形 26"/>
-            <p:cNvSpPr/>
-            <p:nvPr/>
-          </p:nvSpPr>
-          <p:spPr>
-            <a:xfrm>
-              <a:off x="4059800" y="2074511"/>
-              <a:ext cx="579900" cy="472845"/>
-            </a:xfrm>
-            <a:prstGeom prst="roundRect">
-              <a:avLst/>
-            </a:prstGeom>
-            <a:solidFill>
-              <a:srgbClr val="191919"/>
-            </a:solidFill>
-            <a:ln>
-              <a:noFill/>
-            </a:ln>
-            <a:effectLst/>
-            <a:scene3d>
-              <a:camera prst="orthographicFront"/>
-              <a:lightRig rig="threePt" dir="t"/>
-            </a:scene3d>
-            <a:sp3d/>
-          </p:spPr>
-          <p:style>
-            <a:lnRef idx="1">
-              <a:schemeClr val="accent1"/>
-            </a:lnRef>
-            <a:fillRef idx="3">
-              <a:schemeClr val="accent1"/>
-            </a:fillRef>
-            <a:effectRef idx="2">
-              <a:schemeClr val="accent1"/>
-            </a:effectRef>
-            <a:fontRef idx="minor">
-              <a:schemeClr val="lt1"/>
-            </a:fontRef>
-          </p:style>
-          <p:txBody>
-            <a:bodyPr rtlCol="0" anchor="ctr"/>
-            <a:lstStyle/>
-            <a:p>
-              <a:pPr algn="ctr"/>
-              <a:endParaRPr kumimoji="1" lang="ja-JP" altLang="en-US"/>
-            </a:p>
-          </p:txBody>
-        </p:sp>
-        <p:sp>
-          <p:nvSpPr>
-            <p:cNvPr id="28" name="円/楕円 27"/>
-            <p:cNvSpPr>
-              <a:spLocks noChangeAspect="1"/>
-            </p:cNvSpPr>
-            <p:nvPr/>
-          </p:nvSpPr>
-          <p:spPr>
-            <a:xfrm>
-              <a:off x="4163033" y="2351567"/>
-              <a:ext cx="373434" cy="373434"/>
-            </a:xfrm>
-            <a:prstGeom prst="ellipse">
-              <a:avLst/>
-            </a:prstGeom>
-            <a:solidFill>
-              <a:srgbClr val="191919"/>
-            </a:solidFill>
-            <a:ln w="57150" cmpd="sng">
-              <a:solidFill>
-                <a:srgbClr val="DCDCDC"/>
-              </a:solidFill>
-            </a:ln>
-            <a:scene3d>
-              <a:camera prst="orthographicFront"/>
-              <a:lightRig rig="threePt" dir="t"/>
-            </a:scene3d>
-            <a:sp3d/>
-          </p:spPr>
-          <p:style>
-            <a:lnRef idx="1">
-              <a:schemeClr val="accent1"/>
-            </a:lnRef>
-            <a:fillRef idx="3">
-              <a:schemeClr val="accent1"/>
-            </a:fillRef>
-            <a:effectRef idx="2">
-              <a:schemeClr val="accent1"/>
-            </a:effectRef>
-            <a:fontRef idx="minor">
-              <a:schemeClr val="lt1"/>
-            </a:fontRef>
-          </p:style>
-          <p:txBody>
-            <a:bodyPr rtlCol="0" anchor="ctr"/>
-            <a:lstStyle/>
-            <a:p>
-              <a:pPr algn="ctr"/>
-              <a:endParaRPr kumimoji="1" lang="ja-JP" altLang="en-US" dirty="0"/>
-            </a:p>
-          </p:txBody>
-        </p:sp>
-      </p:grpSp>
       <p:grpSp>
         <p:nvGrpSpPr>
           <p:cNvPr id="44" name="図形グループ 43"/>
@@ -3850,7 +3640,7 @@
         </p:nvGrpSpPr>
         <p:grpSpPr>
           <a:xfrm>
-            <a:off x="1379153" y="4062076"/>
+            <a:off x="6706500" y="908302"/>
             <a:ext cx="2133822" cy="958892"/>
             <a:chOff x="2394785" y="4179457"/>
             <a:chExt cx="2302325" cy="616610"/>
@@ -3973,7 +3763,7 @@
         </p:nvSpPr>
         <p:spPr>
           <a:xfrm>
-            <a:off x="1379152" y="3271522"/>
+            <a:off x="6706499" y="117748"/>
             <a:ext cx="2133823" cy="2540000"/>
           </a:xfrm>
           <a:prstGeom prst="rect">
@@ -4011,395 +3801,13 @@
       </p:sp>
       <p:grpSp>
         <p:nvGrpSpPr>
-          <p:cNvPr id="63" name="図形グループ 62"/>
-          <p:cNvGrpSpPr/>
-          <p:nvPr/>
-        </p:nvGrpSpPr>
-        <p:grpSpPr>
-          <a:xfrm rot="5400000">
-            <a:off x="4074853" y="3701371"/>
-            <a:ext cx="1530574" cy="1688619"/>
-            <a:chOff x="5126297" y="3271522"/>
-            <a:chExt cx="2296207" cy="2533311"/>
-          </a:xfrm>
-          <a:solidFill>
-            <a:srgbClr val="FFFFFF"/>
-          </a:solidFill>
-          <a:effectLst/>
-        </p:grpSpPr>
-        <p:grpSp>
-          <p:nvGrpSpPr>
-            <p:cNvPr id="62" name="図形グループ 61"/>
-            <p:cNvGrpSpPr/>
-            <p:nvPr/>
-          </p:nvGrpSpPr>
-          <p:grpSpPr>
-            <a:xfrm>
-              <a:off x="5126297" y="3271522"/>
-              <a:ext cx="2296207" cy="2533311"/>
-              <a:chOff x="5126297" y="3271522"/>
-              <a:chExt cx="2296207" cy="2533311"/>
-            </a:xfrm>
-            <a:grpFill/>
-          </p:grpSpPr>
-          <p:sp>
-            <p:nvSpPr>
-              <p:cNvPr id="46" name="正方形/長方形 45"/>
-              <p:cNvSpPr/>
-              <p:nvPr/>
-            </p:nvSpPr>
-            <p:spPr>
-              <a:xfrm>
-                <a:off x="5942445" y="3271522"/>
-                <a:ext cx="658091" cy="642387"/>
-              </a:xfrm>
-              <a:prstGeom prst="rect">
-                <a:avLst/>
-              </a:prstGeom>
-              <a:grpFill/>
-              <a:ln>
-                <a:noFill/>
-              </a:ln>
-            </p:spPr>
-            <p:style>
-              <a:lnRef idx="1">
-                <a:schemeClr val="accent1"/>
-              </a:lnRef>
-              <a:fillRef idx="3">
-                <a:schemeClr val="accent1"/>
-              </a:fillRef>
-              <a:effectRef idx="2">
-                <a:schemeClr val="accent1"/>
-              </a:effectRef>
-              <a:fontRef idx="minor">
-                <a:schemeClr val="lt1"/>
-              </a:fontRef>
-            </p:style>
-            <p:txBody>
-              <a:bodyPr rtlCol="0" anchor="ctr"/>
-              <a:lstStyle/>
-              <a:p>
-                <a:pPr algn="ctr"/>
-                <a:endParaRPr kumimoji="1" lang="ja-JP" altLang="en-US" dirty="0"/>
-              </a:p>
-            </p:txBody>
-          </p:sp>
-          <p:sp>
-            <p:nvSpPr>
-              <p:cNvPr id="51" name="正方形/長方形 50"/>
-              <p:cNvSpPr/>
-              <p:nvPr/>
-            </p:nvSpPr>
-            <p:spPr>
-              <a:xfrm rot="3602808">
-                <a:off x="5071007" y="4779474"/>
-                <a:ext cx="658091" cy="528447"/>
-              </a:xfrm>
-              <a:prstGeom prst="rect">
-                <a:avLst/>
-              </a:prstGeom>
-              <a:grpFill/>
-              <a:ln>
-                <a:noFill/>
-              </a:ln>
-            </p:spPr>
-            <p:style>
-              <a:lnRef idx="1">
-                <a:schemeClr val="accent1"/>
-              </a:lnRef>
-              <a:fillRef idx="3">
-                <a:schemeClr val="accent1"/>
-              </a:fillRef>
-              <a:effectRef idx="2">
-                <a:schemeClr val="accent1"/>
-              </a:effectRef>
-              <a:fontRef idx="minor">
-                <a:schemeClr val="lt1"/>
-              </a:fontRef>
-            </p:style>
-            <p:txBody>
-              <a:bodyPr rtlCol="0" anchor="ctr"/>
-              <a:lstStyle/>
-              <a:p>
-                <a:pPr algn="ctr"/>
-                <a:endParaRPr kumimoji="1" lang="ja-JP" altLang="en-US" dirty="0"/>
-              </a:p>
-            </p:txBody>
-          </p:sp>
-          <p:sp>
-            <p:nvSpPr>
-              <p:cNvPr id="52" name="正方形/長方形 51"/>
-              <p:cNvSpPr/>
-              <p:nvPr/>
-            </p:nvSpPr>
-            <p:spPr>
-              <a:xfrm rot="18006051">
-                <a:off x="5141775" y="3732850"/>
-                <a:ext cx="658091" cy="689048"/>
-              </a:xfrm>
-              <a:prstGeom prst="rect">
-                <a:avLst/>
-              </a:prstGeom>
-              <a:grpFill/>
-              <a:ln>
-                <a:noFill/>
-              </a:ln>
-            </p:spPr>
-            <p:style>
-              <a:lnRef idx="1">
-                <a:schemeClr val="accent1"/>
-              </a:lnRef>
-              <a:fillRef idx="3">
-                <a:schemeClr val="accent1"/>
-              </a:fillRef>
-              <a:effectRef idx="2">
-                <a:schemeClr val="accent1"/>
-              </a:effectRef>
-              <a:fontRef idx="minor">
-                <a:schemeClr val="lt1"/>
-              </a:fontRef>
-            </p:style>
-            <p:txBody>
-              <a:bodyPr rtlCol="0" anchor="ctr"/>
-              <a:lstStyle/>
-              <a:p>
-                <a:pPr algn="ctr"/>
-                <a:endParaRPr kumimoji="1" lang="ja-JP" altLang="en-US" dirty="0"/>
-              </a:p>
-            </p:txBody>
-          </p:sp>
-          <p:sp>
-            <p:nvSpPr>
-              <p:cNvPr id="53" name="正方形/長方形 52"/>
-              <p:cNvSpPr/>
-              <p:nvPr/>
-            </p:nvSpPr>
-            <p:spPr>
-              <a:xfrm rot="18006051" flipV="1">
-                <a:off x="6767045" y="4699047"/>
-                <a:ext cx="658091" cy="644760"/>
-              </a:xfrm>
-              <a:prstGeom prst="rect">
-                <a:avLst/>
-              </a:prstGeom>
-              <a:grpFill/>
-              <a:ln>
-                <a:noFill/>
-              </a:ln>
-            </p:spPr>
-            <p:style>
-              <a:lnRef idx="1">
-                <a:schemeClr val="accent1"/>
-              </a:lnRef>
-              <a:fillRef idx="3">
-                <a:schemeClr val="accent1"/>
-              </a:fillRef>
-              <a:effectRef idx="2">
-                <a:schemeClr val="accent1"/>
-              </a:effectRef>
-              <a:fontRef idx="minor">
-                <a:schemeClr val="lt1"/>
-              </a:fontRef>
-            </p:style>
-            <p:txBody>
-              <a:bodyPr rtlCol="0" anchor="ctr"/>
-              <a:lstStyle/>
-              <a:p>
-                <a:pPr algn="ctr"/>
-                <a:endParaRPr kumimoji="1" lang="ja-JP" altLang="en-US" dirty="0"/>
-              </a:p>
-            </p:txBody>
-          </p:sp>
-          <p:sp>
-            <p:nvSpPr>
-              <p:cNvPr id="59" name="正方形/長方形 58"/>
-              <p:cNvSpPr/>
-              <p:nvPr/>
-            </p:nvSpPr>
-            <p:spPr>
-              <a:xfrm rot="3602808">
-                <a:off x="6743255" y="3739131"/>
-                <a:ext cx="658091" cy="700407"/>
-              </a:xfrm>
-              <a:prstGeom prst="rect">
-                <a:avLst/>
-              </a:prstGeom>
-              <a:grpFill/>
-              <a:ln>
-                <a:noFill/>
-              </a:ln>
-            </p:spPr>
-            <p:style>
-              <a:lnRef idx="1">
-                <a:schemeClr val="accent1"/>
-              </a:lnRef>
-              <a:fillRef idx="3">
-                <a:schemeClr val="accent1"/>
-              </a:fillRef>
-              <a:effectRef idx="2">
-                <a:schemeClr val="accent1"/>
-              </a:effectRef>
-              <a:fontRef idx="minor">
-                <a:schemeClr val="lt1"/>
-              </a:fontRef>
-            </p:style>
-            <p:txBody>
-              <a:bodyPr rtlCol="0" anchor="ctr"/>
-              <a:lstStyle/>
-              <a:p>
-                <a:pPr algn="ctr"/>
-                <a:endParaRPr kumimoji="1" lang="ja-JP" altLang="en-US" dirty="0"/>
-              </a:p>
-            </p:txBody>
-          </p:sp>
-          <p:sp>
-            <p:nvSpPr>
-              <p:cNvPr id="60" name="正方形/長方形 59"/>
-              <p:cNvSpPr/>
-              <p:nvPr/>
-            </p:nvSpPr>
-            <p:spPr>
-              <a:xfrm>
-                <a:off x="5946491" y="5276273"/>
-                <a:ext cx="658091" cy="528560"/>
-              </a:xfrm>
-              <a:prstGeom prst="rect">
-                <a:avLst/>
-              </a:prstGeom>
-              <a:grpFill/>
-              <a:ln>
-                <a:noFill/>
-              </a:ln>
-            </p:spPr>
-            <p:style>
-              <a:lnRef idx="1">
-                <a:schemeClr val="accent1"/>
-              </a:lnRef>
-              <a:fillRef idx="3">
-                <a:schemeClr val="accent1"/>
-              </a:fillRef>
-              <a:effectRef idx="2">
-                <a:schemeClr val="accent1"/>
-              </a:effectRef>
-              <a:fontRef idx="minor">
-                <a:schemeClr val="lt1"/>
-              </a:fontRef>
-            </p:style>
-            <p:txBody>
-              <a:bodyPr rtlCol="0" anchor="ctr"/>
-              <a:lstStyle/>
-              <a:p>
-                <a:pPr algn="ctr"/>
-                <a:endParaRPr kumimoji="1" lang="ja-JP" altLang="en-US" dirty="0"/>
-              </a:p>
-            </p:txBody>
-          </p:sp>
-        </p:grpSp>
-        <p:sp>
-          <p:nvSpPr>
-            <p:cNvPr id="61" name="ドーナツ 60"/>
-            <p:cNvSpPr/>
-            <p:nvPr/>
-          </p:nvSpPr>
-          <p:spPr>
-            <a:xfrm>
-              <a:off x="5367331" y="3666553"/>
-              <a:ext cx="1817041" cy="1817041"/>
-            </a:xfrm>
-            <a:prstGeom prst="donut">
-              <a:avLst>
-                <a:gd name="adj" fmla="val 31152"/>
-              </a:avLst>
-            </a:prstGeom>
-            <a:grpFill/>
-            <a:ln>
-              <a:noFill/>
-            </a:ln>
-            <a:effectLst/>
-          </p:spPr>
-          <p:style>
-            <a:lnRef idx="1">
-              <a:schemeClr val="accent1"/>
-            </a:lnRef>
-            <a:fillRef idx="3">
-              <a:schemeClr val="accent1"/>
-            </a:fillRef>
-            <a:effectRef idx="2">
-              <a:schemeClr val="accent1"/>
-            </a:effectRef>
-            <a:fontRef idx="minor">
-              <a:schemeClr val="lt1"/>
-            </a:fontRef>
-          </p:style>
-          <p:txBody>
-            <a:bodyPr rtlCol="0" anchor="ctr"/>
-            <a:lstStyle/>
-            <a:p>
-              <a:pPr algn="ctr"/>
-              <a:endParaRPr kumimoji="1" lang="ja-JP" altLang="en-US" dirty="0">
-                <a:solidFill>
-                  <a:schemeClr val="tx1"/>
-                </a:solidFill>
-              </a:endParaRPr>
-            </a:p>
-          </p:txBody>
-        </p:sp>
-      </p:grpSp>
-      <p:sp>
-        <p:nvSpPr>
-          <p:cNvPr id="64" name="正方形/長方形 63"/>
-          <p:cNvSpPr>
-            <a:spLocks noChangeAspect="1"/>
-          </p:cNvSpPr>
-          <p:nvPr/>
-        </p:nvSpPr>
-        <p:spPr>
-          <a:xfrm>
-            <a:off x="3962416" y="3275680"/>
-            <a:ext cx="1722033" cy="2540000"/>
-          </a:xfrm>
-          <a:prstGeom prst="rect">
-            <a:avLst/>
-          </a:prstGeom>
-          <a:noFill/>
-          <a:ln>
-            <a:solidFill>
-              <a:srgbClr val="FFFFFF"/>
-            </a:solidFill>
-          </a:ln>
-        </p:spPr>
-        <p:style>
-          <a:lnRef idx="1">
-            <a:schemeClr val="accent1"/>
-          </a:lnRef>
-          <a:fillRef idx="3">
-            <a:schemeClr val="accent1"/>
-          </a:fillRef>
-          <a:effectRef idx="2">
-            <a:schemeClr val="accent1"/>
-          </a:effectRef>
-          <a:fontRef idx="minor">
-            <a:schemeClr val="lt1"/>
-          </a:fontRef>
-        </p:style>
-        <p:txBody>
-          <a:bodyPr rtlCol="0" anchor="ctr"/>
-          <a:lstStyle/>
-          <a:p>
-            <a:pPr algn="ctr"/>
-            <a:endParaRPr kumimoji="1" lang="ja-JP" altLang="en-US" dirty="0"/>
-          </a:p>
-        </p:txBody>
-      </p:sp>
-      <p:grpSp>
-        <p:nvGrpSpPr>
           <p:cNvPr id="70" name="図形グループ 69"/>
           <p:cNvGrpSpPr/>
           <p:nvPr/>
         </p:nvGrpSpPr>
         <p:grpSpPr>
           <a:xfrm>
-            <a:off x="6397285" y="3697416"/>
+            <a:off x="4719714" y="548523"/>
             <a:ext cx="1688619" cy="1698043"/>
             <a:chOff x="6397285" y="3697416"/>
             <a:chExt cx="1688619" cy="1698043"/>
@@ -4678,7 +4086,7 @@
         </p:nvSpPr>
         <p:spPr>
           <a:xfrm>
-            <a:off x="6397285" y="3271522"/>
+            <a:off x="4719714" y="122629"/>
             <a:ext cx="1722033" cy="2540000"/>
           </a:xfrm>
           <a:prstGeom prst="rect">
@@ -4714,6 +4122,348 @@
           </a:p>
         </p:txBody>
       </p:sp>
+      <p:sp>
+        <p:nvSpPr>
+          <p:cNvPr id="32" name="角丸四角形 31"/>
+          <p:cNvSpPr/>
+          <p:nvPr/>
+        </p:nvSpPr>
+        <p:spPr>
+          <a:xfrm>
+            <a:off x="2505219" y="471178"/>
+            <a:ext cx="1841500" cy="1143000"/>
+          </a:xfrm>
+          <a:prstGeom prst="roundRect">
+            <a:avLst/>
+          </a:prstGeom>
+          <a:gradFill>
+            <a:gsLst>
+              <a:gs pos="0">
+                <a:srgbClr val="191919"/>
+              </a:gs>
+              <a:gs pos="100000">
+                <a:srgbClr val="B3B3B3"/>
+              </a:gs>
+              <a:gs pos="80000">
+                <a:srgbClr val="989898"/>
+              </a:gs>
+            </a:gsLst>
+            <a:lin ang="5400000" scaled="0"/>
+          </a:gradFill>
+          <a:ln w="38100" cmpd="sng">
+            <a:gradFill flip="none" rotWithShape="1">
+              <a:gsLst>
+                <a:gs pos="0">
+                  <a:srgbClr val="333333"/>
+                </a:gs>
+                <a:gs pos="100000">
+                  <a:prstClr val="white"/>
+                </a:gs>
+                <a:gs pos="20000">
+                  <a:srgbClr val="333333"/>
+                </a:gs>
+              </a:gsLst>
+              <a:lin ang="16200000" scaled="0"/>
+              <a:tileRect/>
+            </a:gradFill>
+          </a:ln>
+          <a:effectLst/>
+        </p:spPr>
+        <p:style>
+          <a:lnRef idx="1">
+            <a:schemeClr val="accent1"/>
+          </a:lnRef>
+          <a:fillRef idx="3">
+            <a:schemeClr val="accent1"/>
+          </a:fillRef>
+          <a:effectRef idx="2">
+            <a:schemeClr val="accent1"/>
+          </a:effectRef>
+          <a:fontRef idx="minor">
+            <a:schemeClr val="lt1"/>
+          </a:fontRef>
+        </p:style>
+        <p:txBody>
+          <a:bodyPr rtlCol="0" anchor="ctr"/>
+          <a:lstStyle/>
+          <a:p>
+            <a:pPr algn="ctr"/>
+            <a:endParaRPr kumimoji="1" lang="ja-JP" altLang="en-US" dirty="0"/>
+          </a:p>
+        </p:txBody>
+      </p:sp>
+      <p:grpSp>
+        <p:nvGrpSpPr>
+          <p:cNvPr id="34" name="図形グループ 33"/>
+          <p:cNvGrpSpPr/>
+          <p:nvPr/>
+        </p:nvGrpSpPr>
+        <p:grpSpPr>
+          <a:xfrm>
+            <a:off x="2835431" y="657889"/>
+            <a:ext cx="1157987" cy="769578"/>
+            <a:chOff x="3770757" y="2074511"/>
+            <a:chExt cx="1157987" cy="769578"/>
+          </a:xfrm>
+        </p:grpSpPr>
+        <p:sp>
+          <p:nvSpPr>
+            <p:cNvPr id="35" name="角丸四角形 34"/>
+            <p:cNvSpPr/>
+            <p:nvPr/>
+          </p:nvSpPr>
+          <p:spPr>
+            <a:xfrm>
+              <a:off x="3770757" y="2277157"/>
+              <a:ext cx="1157987" cy="566932"/>
+            </a:xfrm>
+            <a:prstGeom prst="roundRect">
+              <a:avLst/>
+            </a:prstGeom>
+            <a:solidFill>
+              <a:srgbClr val="191919"/>
+            </a:solidFill>
+            <a:ln>
+              <a:noFill/>
+            </a:ln>
+            <a:effectLst/>
+            <a:scene3d>
+              <a:camera prst="orthographicFront"/>
+              <a:lightRig rig="threePt" dir="t"/>
+            </a:scene3d>
+            <a:sp3d/>
+          </p:spPr>
+          <p:style>
+            <a:lnRef idx="1">
+              <a:schemeClr val="accent1"/>
+            </a:lnRef>
+            <a:fillRef idx="3">
+              <a:schemeClr val="accent1"/>
+            </a:fillRef>
+            <a:effectRef idx="2">
+              <a:schemeClr val="accent1"/>
+            </a:effectRef>
+            <a:fontRef idx="minor">
+              <a:schemeClr val="lt1"/>
+            </a:fontRef>
+          </p:style>
+          <p:txBody>
+            <a:bodyPr rtlCol="0" anchor="ctr"/>
+            <a:lstStyle/>
+            <a:p>
+              <a:pPr algn="ctr"/>
+              <a:endParaRPr kumimoji="1" lang="ja-JP" altLang="en-US"/>
+            </a:p>
+          </p:txBody>
+        </p:sp>
+        <p:sp>
+          <p:nvSpPr>
+            <p:cNvPr id="36" name="角丸四角形 35"/>
+            <p:cNvSpPr/>
+            <p:nvPr/>
+          </p:nvSpPr>
+          <p:spPr>
+            <a:xfrm>
+              <a:off x="4059800" y="2074511"/>
+              <a:ext cx="579900" cy="472845"/>
+            </a:xfrm>
+            <a:prstGeom prst="roundRect">
+              <a:avLst/>
+            </a:prstGeom>
+            <a:solidFill>
+              <a:srgbClr val="191919"/>
+            </a:solidFill>
+            <a:ln>
+              <a:noFill/>
+            </a:ln>
+            <a:effectLst/>
+            <a:scene3d>
+              <a:camera prst="orthographicFront"/>
+              <a:lightRig rig="threePt" dir="t"/>
+            </a:scene3d>
+            <a:sp3d/>
+          </p:spPr>
+          <p:style>
+            <a:lnRef idx="1">
+              <a:schemeClr val="accent1"/>
+            </a:lnRef>
+            <a:fillRef idx="3">
+              <a:schemeClr val="accent1"/>
+            </a:fillRef>
+            <a:effectRef idx="2">
+              <a:schemeClr val="accent1"/>
+            </a:effectRef>
+            <a:fontRef idx="minor">
+              <a:schemeClr val="lt1"/>
+            </a:fontRef>
+          </p:style>
+          <p:txBody>
+            <a:bodyPr rtlCol="0" anchor="ctr"/>
+            <a:lstStyle/>
+            <a:p>
+              <a:pPr algn="ctr"/>
+              <a:endParaRPr kumimoji="1" lang="ja-JP" altLang="en-US"/>
+            </a:p>
+          </p:txBody>
+        </p:sp>
+        <p:sp>
+          <p:nvSpPr>
+            <p:cNvPr id="37" name="円/楕円 36"/>
+            <p:cNvSpPr>
+              <a:spLocks noChangeAspect="1"/>
+            </p:cNvSpPr>
+            <p:nvPr/>
+          </p:nvSpPr>
+          <p:spPr>
+            <a:xfrm>
+              <a:off x="4163033" y="2351567"/>
+              <a:ext cx="373434" cy="373434"/>
+            </a:xfrm>
+            <a:prstGeom prst="ellipse">
+              <a:avLst/>
+            </a:prstGeom>
+            <a:solidFill>
+              <a:srgbClr val="191919"/>
+            </a:solidFill>
+            <a:ln w="57150" cmpd="sng">
+              <a:solidFill>
+                <a:srgbClr val="DCDCDC"/>
+              </a:solidFill>
+            </a:ln>
+            <a:scene3d>
+              <a:camera prst="orthographicFront"/>
+              <a:lightRig rig="threePt" dir="t"/>
+            </a:scene3d>
+            <a:sp3d/>
+          </p:spPr>
+          <p:style>
+            <a:lnRef idx="1">
+              <a:schemeClr val="accent1"/>
+            </a:lnRef>
+            <a:fillRef idx="3">
+              <a:schemeClr val="accent1"/>
+            </a:fillRef>
+            <a:effectRef idx="2">
+              <a:schemeClr val="accent1"/>
+            </a:effectRef>
+            <a:fontRef idx="minor">
+              <a:schemeClr val="lt1"/>
+            </a:fontRef>
+          </p:style>
+          <p:txBody>
+            <a:bodyPr rtlCol="0" anchor="ctr"/>
+            <a:lstStyle/>
+            <a:p>
+              <a:pPr algn="ctr"/>
+              <a:endParaRPr kumimoji="1" lang="ja-JP" altLang="en-US" dirty="0"/>
+            </a:p>
+          </p:txBody>
+        </p:sp>
+      </p:grpSp>
+      <p:grpSp>
+        <p:nvGrpSpPr>
+          <p:cNvPr id="10" name="図形グループ 9"/>
+          <p:cNvGrpSpPr/>
+          <p:nvPr/>
+        </p:nvGrpSpPr>
+        <p:grpSpPr>
+          <a:xfrm>
+            <a:off x="1354197" y="3636818"/>
+            <a:ext cx="5087550" cy="2262172"/>
+            <a:chOff x="1354197" y="3636818"/>
+            <a:chExt cx="5087550" cy="2262172"/>
+          </a:xfrm>
+          <a:solidFill>
+            <a:srgbClr val="CDCDCD"/>
+          </a:solidFill>
+        </p:grpSpPr>
+        <p:sp>
+          <p:nvSpPr>
+            <p:cNvPr id="4" name="角丸四角形 3"/>
+            <p:cNvSpPr/>
+            <p:nvPr/>
+          </p:nvSpPr>
+          <p:spPr>
+            <a:xfrm>
+              <a:off x="1354197" y="3636818"/>
+              <a:ext cx="5087550" cy="2101272"/>
+            </a:xfrm>
+            <a:prstGeom prst="roundRect">
+              <a:avLst>
+                <a:gd name="adj" fmla="val 4579"/>
+              </a:avLst>
+            </a:prstGeom>
+            <a:grpFill/>
+            <a:ln>
+              <a:noFill/>
+            </a:ln>
+          </p:spPr>
+          <p:style>
+            <a:lnRef idx="1">
+              <a:schemeClr val="accent1"/>
+            </a:lnRef>
+            <a:fillRef idx="3">
+              <a:schemeClr val="accent1"/>
+            </a:fillRef>
+            <a:effectRef idx="2">
+              <a:schemeClr val="accent1"/>
+            </a:effectRef>
+            <a:fontRef idx="minor">
+              <a:schemeClr val="lt1"/>
+            </a:fontRef>
+          </p:style>
+          <p:txBody>
+            <a:bodyPr rtlCol="0" anchor="ctr"/>
+            <a:lstStyle/>
+            <a:p>
+              <a:pPr algn="ctr"/>
+              <a:endParaRPr kumimoji="1" lang="ja-JP" altLang="en-US"/>
+            </a:p>
+          </p:txBody>
+        </p:sp>
+        <p:sp>
+          <p:nvSpPr>
+            <p:cNvPr id="6" name="二等辺三角形 5"/>
+            <p:cNvSpPr/>
+            <p:nvPr/>
+          </p:nvSpPr>
+          <p:spPr>
+            <a:xfrm rot="10800000">
+              <a:off x="1442736" y="5726545"/>
+              <a:ext cx="200036" cy="172445"/>
+            </a:xfrm>
+            <a:prstGeom prst="triangle">
+              <a:avLst/>
+            </a:prstGeom>
+            <a:grpFill/>
+            <a:ln>
+              <a:noFill/>
+            </a:ln>
+          </p:spPr>
+          <p:style>
+            <a:lnRef idx="1">
+              <a:schemeClr val="accent1"/>
+            </a:lnRef>
+            <a:fillRef idx="3">
+              <a:schemeClr val="accent1"/>
+            </a:fillRef>
+            <a:effectRef idx="2">
+              <a:schemeClr val="accent1"/>
+            </a:effectRef>
+            <a:fontRef idx="minor">
+              <a:schemeClr val="lt1"/>
+            </a:fontRef>
+          </p:style>
+          <p:txBody>
+            <a:bodyPr rtlCol="0" anchor="ctr"/>
+            <a:lstStyle/>
+            <a:p>
+              <a:pPr algn="ctr"/>
+              <a:endParaRPr kumimoji="1" lang="ja-JP" altLang="en-US" dirty="0"/>
+            </a:p>
+          </p:txBody>
+        </p:sp>
+      </p:grpSp>
     </p:spTree>
     <p:extLst>
       <p:ext uri="{BB962C8B-B14F-4D97-AF65-F5344CB8AC3E}">

--- a/distortionCamera/distortionCamera/images/partsImages.pptx
+++ b/distortionCamera/distortionCamera/images/partsImages.pptx
@@ -288,7 +288,7 @@
           <a:p>
             <a:fld id="{AAB7E1E9-1C8C-C740-BA2C-D284473E44D5}" type="datetimeFigureOut">
               <a:rPr kumimoji="1" lang="ja-JP" altLang="en-US" smtClean="0"/>
-              <a:t>2013/02/09</a:t>
+              <a:t>2013/02/10</a:t>
             </a:fld>
             <a:endParaRPr kumimoji="1" lang="ja-JP" altLang="en-US"/>
           </a:p>
@@ -490,7 +490,7 @@
           <a:p>
             <a:fld id="{AAB7E1E9-1C8C-C740-BA2C-D284473E44D5}" type="datetimeFigureOut">
               <a:rPr kumimoji="1" lang="ja-JP" altLang="en-US" smtClean="0"/>
-              <a:t>2013/02/09</a:t>
+              <a:t>2013/02/10</a:t>
             </a:fld>
             <a:endParaRPr kumimoji="1" lang="ja-JP" altLang="en-US"/>
           </a:p>
@@ -702,7 +702,7 @@
           <a:p>
             <a:fld id="{AAB7E1E9-1C8C-C740-BA2C-D284473E44D5}" type="datetimeFigureOut">
               <a:rPr kumimoji="1" lang="ja-JP" altLang="en-US" smtClean="0"/>
-              <a:t>2013/02/09</a:t>
+              <a:t>2013/02/10</a:t>
             </a:fld>
             <a:endParaRPr kumimoji="1" lang="ja-JP" altLang="en-US"/>
           </a:p>
@@ -904,7 +904,7 @@
           <a:p>
             <a:fld id="{AAB7E1E9-1C8C-C740-BA2C-D284473E44D5}" type="datetimeFigureOut">
               <a:rPr kumimoji="1" lang="ja-JP" altLang="en-US" smtClean="0"/>
-              <a:t>2013/02/09</a:t>
+              <a:t>2013/02/10</a:t>
             </a:fld>
             <a:endParaRPr kumimoji="1" lang="ja-JP" altLang="en-US"/>
           </a:p>
@@ -1150,7 +1150,7 @@
           <a:p>
             <a:fld id="{AAB7E1E9-1C8C-C740-BA2C-D284473E44D5}" type="datetimeFigureOut">
               <a:rPr kumimoji="1" lang="ja-JP" altLang="en-US" smtClean="0"/>
-              <a:t>2013/02/09</a:t>
+              <a:t>2013/02/10</a:t>
             </a:fld>
             <a:endParaRPr kumimoji="1" lang="ja-JP" altLang="en-US"/>
           </a:p>
@@ -1502,7 +1502,7 @@
           <a:p>
             <a:fld id="{AAB7E1E9-1C8C-C740-BA2C-D284473E44D5}" type="datetimeFigureOut">
               <a:rPr kumimoji="1" lang="ja-JP" altLang="en-US" smtClean="0"/>
-              <a:t>2013/02/09</a:t>
+              <a:t>2013/02/10</a:t>
             </a:fld>
             <a:endParaRPr kumimoji="1" lang="ja-JP" altLang="en-US"/>
           </a:p>
@@ -1988,7 +1988,7 @@
           <a:p>
             <a:fld id="{AAB7E1E9-1C8C-C740-BA2C-D284473E44D5}" type="datetimeFigureOut">
               <a:rPr kumimoji="1" lang="ja-JP" altLang="en-US" smtClean="0"/>
-              <a:t>2013/02/09</a:t>
+              <a:t>2013/02/10</a:t>
             </a:fld>
             <a:endParaRPr kumimoji="1" lang="ja-JP" altLang="en-US"/>
           </a:p>
@@ -2106,7 +2106,7 @@
           <a:p>
             <a:fld id="{AAB7E1E9-1C8C-C740-BA2C-D284473E44D5}" type="datetimeFigureOut">
               <a:rPr kumimoji="1" lang="ja-JP" altLang="en-US" smtClean="0"/>
-              <a:t>2013/02/09</a:t>
+              <a:t>2013/02/10</a:t>
             </a:fld>
             <a:endParaRPr kumimoji="1" lang="ja-JP" altLang="en-US"/>
           </a:p>
@@ -2201,7 +2201,7 @@
           <a:p>
             <a:fld id="{AAB7E1E9-1C8C-C740-BA2C-D284473E44D5}" type="datetimeFigureOut">
               <a:rPr kumimoji="1" lang="ja-JP" altLang="en-US" smtClean="0"/>
-              <a:t>2013/02/09</a:t>
+              <a:t>2013/02/10</a:t>
             </a:fld>
             <a:endParaRPr kumimoji="1" lang="ja-JP" altLang="en-US"/>
           </a:p>
@@ -2510,7 +2510,7 @@
           <a:p>
             <a:fld id="{AAB7E1E9-1C8C-C740-BA2C-D284473E44D5}" type="datetimeFigureOut">
               <a:rPr kumimoji="1" lang="ja-JP" altLang="en-US" smtClean="0"/>
-              <a:t>2013/02/09</a:t>
+              <a:t>2013/02/10</a:t>
             </a:fld>
             <a:endParaRPr kumimoji="1" lang="ja-JP" altLang="en-US"/>
           </a:p>
@@ -2763,7 +2763,7 @@
           <a:p>
             <a:fld id="{AAB7E1E9-1C8C-C740-BA2C-D284473E44D5}" type="datetimeFigureOut">
               <a:rPr kumimoji="1" lang="ja-JP" altLang="en-US" smtClean="0"/>
-              <a:t>2013/02/09</a:t>
+              <a:t>2013/02/10</a:t>
             </a:fld>
             <a:endParaRPr kumimoji="1" lang="ja-JP" altLang="en-US"/>
           </a:p>
@@ -3008,7 +3008,7 @@
           <a:p>
             <a:fld id="{AAB7E1E9-1C8C-C740-BA2C-D284473E44D5}" type="datetimeFigureOut">
               <a:rPr kumimoji="1" lang="ja-JP" altLang="en-US" smtClean="0"/>
-              <a:t>2013/02/09</a:t>
+              <a:t>2013/02/10</a:t>
             </a:fld>
             <a:endParaRPr kumimoji="1" lang="ja-JP" altLang="en-US"/>
           </a:p>
@@ -4474,6 +4474,13 @@
   <p:clrMapOvr>
     <a:masterClrMapping/>
   </p:clrMapOvr>
+  <p:timing>
+    <p:tnLst>
+      <p:par>
+        <p:cTn xmlns:p14="http://schemas.microsoft.com/office/powerpoint/2010/main" id="1" dur="indefinite" restart="never" nodeType="tmRoot"/>
+      </p:par>
+    </p:tnLst>
+  </p:timing>
 </p:sld>
 </file>
 

--- a/distortionCamera/distortionCamera/images/partsImages.pptx
+++ b/distortionCamera/distortionCamera/images/partsImages.pptx
@@ -6,6 +6,10 @@
   </p:sldMasterIdLst>
   <p:sldIdLst>
     <p:sldId id="256" r:id="rId2"/>
+    <p:sldId id="257" r:id="rId3"/>
+    <p:sldId id="258" r:id="rId4"/>
+    <p:sldId id="259" r:id="rId5"/>
+    <p:sldId id="260" r:id="rId6"/>
   </p:sldIdLst>
   <p:sldSz cx="9144000" cy="6858000" type="screen4x3"/>
   <p:notesSz cx="6858000" cy="9144000"/>
@@ -288,7 +292,7 @@
           <a:p>
             <a:fld id="{AAB7E1E9-1C8C-C740-BA2C-D284473E44D5}" type="datetimeFigureOut">
               <a:rPr kumimoji="1" lang="ja-JP" altLang="en-US" smtClean="0"/>
-              <a:t>2013/02/10</a:t>
+              <a:t>2013/03/31</a:t>
             </a:fld>
             <a:endParaRPr kumimoji="1" lang="ja-JP" altLang="en-US"/>
           </a:p>
@@ -490,7 +494,7 @@
           <a:p>
             <a:fld id="{AAB7E1E9-1C8C-C740-BA2C-D284473E44D5}" type="datetimeFigureOut">
               <a:rPr kumimoji="1" lang="ja-JP" altLang="en-US" smtClean="0"/>
-              <a:t>2013/02/10</a:t>
+              <a:t>2013/03/31</a:t>
             </a:fld>
             <a:endParaRPr kumimoji="1" lang="ja-JP" altLang="en-US"/>
           </a:p>
@@ -702,7 +706,7 @@
           <a:p>
             <a:fld id="{AAB7E1E9-1C8C-C740-BA2C-D284473E44D5}" type="datetimeFigureOut">
               <a:rPr kumimoji="1" lang="ja-JP" altLang="en-US" smtClean="0"/>
-              <a:t>2013/02/10</a:t>
+              <a:t>2013/03/31</a:t>
             </a:fld>
             <a:endParaRPr kumimoji="1" lang="ja-JP" altLang="en-US"/>
           </a:p>
@@ -904,7 +908,7 @@
           <a:p>
             <a:fld id="{AAB7E1E9-1C8C-C740-BA2C-D284473E44D5}" type="datetimeFigureOut">
               <a:rPr kumimoji="1" lang="ja-JP" altLang="en-US" smtClean="0"/>
-              <a:t>2013/02/10</a:t>
+              <a:t>2013/03/31</a:t>
             </a:fld>
             <a:endParaRPr kumimoji="1" lang="ja-JP" altLang="en-US"/>
           </a:p>
@@ -1150,7 +1154,7 @@
           <a:p>
             <a:fld id="{AAB7E1E9-1C8C-C740-BA2C-D284473E44D5}" type="datetimeFigureOut">
               <a:rPr kumimoji="1" lang="ja-JP" altLang="en-US" smtClean="0"/>
-              <a:t>2013/02/10</a:t>
+              <a:t>2013/03/31</a:t>
             </a:fld>
             <a:endParaRPr kumimoji="1" lang="ja-JP" altLang="en-US"/>
           </a:p>
@@ -1502,7 +1506,7 @@
           <a:p>
             <a:fld id="{AAB7E1E9-1C8C-C740-BA2C-D284473E44D5}" type="datetimeFigureOut">
               <a:rPr kumimoji="1" lang="ja-JP" altLang="en-US" smtClean="0"/>
-              <a:t>2013/02/10</a:t>
+              <a:t>2013/03/31</a:t>
             </a:fld>
             <a:endParaRPr kumimoji="1" lang="ja-JP" altLang="en-US"/>
           </a:p>
@@ -1988,7 +1992,7 @@
           <a:p>
             <a:fld id="{AAB7E1E9-1C8C-C740-BA2C-D284473E44D5}" type="datetimeFigureOut">
               <a:rPr kumimoji="1" lang="ja-JP" altLang="en-US" smtClean="0"/>
-              <a:t>2013/02/10</a:t>
+              <a:t>2013/03/31</a:t>
             </a:fld>
             <a:endParaRPr kumimoji="1" lang="ja-JP" altLang="en-US"/>
           </a:p>
@@ -2106,7 +2110,7 @@
           <a:p>
             <a:fld id="{AAB7E1E9-1C8C-C740-BA2C-D284473E44D5}" type="datetimeFigureOut">
               <a:rPr kumimoji="1" lang="ja-JP" altLang="en-US" smtClean="0"/>
-              <a:t>2013/02/10</a:t>
+              <a:t>2013/03/31</a:t>
             </a:fld>
             <a:endParaRPr kumimoji="1" lang="ja-JP" altLang="en-US"/>
           </a:p>
@@ -2201,7 +2205,7 @@
           <a:p>
             <a:fld id="{AAB7E1E9-1C8C-C740-BA2C-D284473E44D5}" type="datetimeFigureOut">
               <a:rPr kumimoji="1" lang="ja-JP" altLang="en-US" smtClean="0"/>
-              <a:t>2013/02/10</a:t>
+              <a:t>2013/03/31</a:t>
             </a:fld>
             <a:endParaRPr kumimoji="1" lang="ja-JP" altLang="en-US"/>
           </a:p>
@@ -2510,7 +2514,7 @@
           <a:p>
             <a:fld id="{AAB7E1E9-1C8C-C740-BA2C-D284473E44D5}" type="datetimeFigureOut">
               <a:rPr kumimoji="1" lang="ja-JP" altLang="en-US" smtClean="0"/>
-              <a:t>2013/02/10</a:t>
+              <a:t>2013/03/31</a:t>
             </a:fld>
             <a:endParaRPr kumimoji="1" lang="ja-JP" altLang="en-US"/>
           </a:p>
@@ -2763,7 +2767,7 @@
           <a:p>
             <a:fld id="{AAB7E1E9-1C8C-C740-BA2C-D284473E44D5}" type="datetimeFigureOut">
               <a:rPr kumimoji="1" lang="ja-JP" altLang="en-US" smtClean="0"/>
-              <a:t>2013/02/10</a:t>
+              <a:t>2013/03/31</a:t>
             </a:fld>
             <a:endParaRPr kumimoji="1" lang="ja-JP" altLang="en-US"/>
           </a:p>
@@ -3008,7 +3012,7 @@
           <a:p>
             <a:fld id="{AAB7E1E9-1C8C-C740-BA2C-D284473E44D5}" type="datetimeFigureOut">
               <a:rPr kumimoji="1" lang="ja-JP" altLang="en-US" smtClean="0"/>
-              <a:t>2013/02/10</a:t>
+              <a:t>2013/03/31</a:t>
             </a:fld>
             <a:endParaRPr kumimoji="1" lang="ja-JP" altLang="en-US"/>
           </a:p>
@@ -4481,6 +4485,1259 @@
       </p:par>
     </p:tnLst>
   </p:timing>
+</p:sld>
+</file>
+
+<file path=ppt/slides/slide2.xml><?xml version="1.0" encoding="utf-8"?>
+<p:sld xmlns:a="http://schemas.openxmlformats.org/drawingml/2006/main" xmlns:r="http://schemas.openxmlformats.org/officeDocument/2006/relationships" xmlns:p="http://schemas.openxmlformats.org/presentationml/2006/main">
+  <p:cSld>
+    <p:bg>
+      <p:bgPr>
+        <a:solidFill>
+          <a:schemeClr val="tx1">
+            <a:lumMod val="50000"/>
+            <a:lumOff val="50000"/>
+          </a:schemeClr>
+        </a:solidFill>
+        <a:effectLst/>
+      </p:bgPr>
+    </p:bg>
+    <p:spTree>
+      <p:nvGrpSpPr>
+        <p:cNvPr id="1" name=""/>
+        <p:cNvGrpSpPr/>
+        <p:nvPr/>
+      </p:nvGrpSpPr>
+      <p:grpSpPr>
+        <a:xfrm>
+          <a:off x="0" y="0"/>
+          <a:ext cx="0" cy="0"/>
+          <a:chOff x="0" y="0"/>
+          <a:chExt cx="0" cy="0"/>
+        </a:xfrm>
+      </p:grpSpPr>
+      <p:grpSp>
+        <p:nvGrpSpPr>
+          <p:cNvPr id="7" name="図形グループ 6"/>
+          <p:cNvGrpSpPr/>
+          <p:nvPr/>
+        </p:nvGrpSpPr>
+        <p:grpSpPr>
+          <a:xfrm>
+            <a:off x="1394587" y="117898"/>
+            <a:ext cx="6502400" cy="6502400"/>
+            <a:chOff x="1394587" y="117898"/>
+            <a:chExt cx="6502400" cy="6502400"/>
+          </a:xfrm>
+        </p:grpSpPr>
+        <p:pic>
+          <p:nvPicPr>
+            <p:cNvPr id="6" name="図 5"/>
+            <p:cNvPicPr>
+              <a:picLocks noChangeAspect="1"/>
+            </p:cNvPicPr>
+            <p:nvPr/>
+          </p:nvPicPr>
+          <p:blipFill>
+            <a:blip r:embed="rId2">
+              <a:extLst>
+                <a:ext uri="{BEBA8EAE-BF5A-486C-A8C5-ECC9F3942E4B}">
+                  <a14:imgProps xmlns:a14="http://schemas.microsoft.com/office/drawing/2010/main">
+                    <a14:imgLayer r:embed="rId3">
+                      <a14:imgEffect>
+                        <a14:artisticLightScreen trans="51000" gridSize="3"/>
+                      </a14:imgEffect>
+                    </a14:imgLayer>
+                  </a14:imgProps>
+                </a:ext>
+              </a:extLst>
+            </a:blip>
+            <a:stretch>
+              <a:fillRect/>
+            </a:stretch>
+          </p:blipFill>
+          <p:spPr>
+            <a:xfrm>
+              <a:off x="1394587" y="117898"/>
+              <a:ext cx="6502400" cy="6502400"/>
+            </a:xfrm>
+            <a:prstGeom prst="rect">
+              <a:avLst/>
+            </a:prstGeom>
+          </p:spPr>
+        </p:pic>
+        <p:pic>
+          <p:nvPicPr>
+            <p:cNvPr id="3" name="図 2"/>
+            <p:cNvPicPr>
+              <a:picLocks noChangeAspect="1"/>
+            </p:cNvPicPr>
+            <p:nvPr/>
+          </p:nvPicPr>
+          <p:blipFill>
+            <a:blip r:embed="rId4"/>
+            <a:stretch>
+              <a:fillRect/>
+            </a:stretch>
+          </p:blipFill>
+          <p:spPr>
+            <a:xfrm>
+              <a:off x="1394587" y="117898"/>
+              <a:ext cx="6502400" cy="6502400"/>
+            </a:xfrm>
+            <a:prstGeom prst="rect">
+              <a:avLst/>
+            </a:prstGeom>
+          </p:spPr>
+        </p:pic>
+      </p:grpSp>
+    </p:spTree>
+    <p:extLst>
+      <p:ext uri="{BB962C8B-B14F-4D97-AF65-F5344CB8AC3E}">
+        <p14:creationId xmlns:p14="http://schemas.microsoft.com/office/powerpoint/2010/main" val="2440573386"/>
+      </p:ext>
+    </p:extLst>
+  </p:cSld>
+  <p:clrMapOvr>
+    <a:masterClrMapping/>
+  </p:clrMapOvr>
+  <p:timing>
+    <p:tnLst>
+      <p:par>
+        <p:cTn xmlns:p14="http://schemas.microsoft.com/office/powerpoint/2010/main" id="1" dur="indefinite" restart="never" nodeType="tmRoot"/>
+      </p:par>
+    </p:tnLst>
+  </p:timing>
+</p:sld>
+</file>
+
+<file path=ppt/slides/slide3.xml><?xml version="1.0" encoding="utf-8"?>
+<p:sld xmlns:a="http://schemas.openxmlformats.org/drawingml/2006/main" xmlns:r="http://schemas.openxmlformats.org/officeDocument/2006/relationships" xmlns:p="http://schemas.openxmlformats.org/presentationml/2006/main">
+  <p:cSld>
+    <p:bg>
+      <p:bgPr>
+        <a:solidFill>
+          <a:schemeClr val="tx1">
+            <a:lumMod val="50000"/>
+            <a:lumOff val="50000"/>
+          </a:schemeClr>
+        </a:solidFill>
+        <a:effectLst/>
+      </p:bgPr>
+    </p:bg>
+    <p:spTree>
+      <p:nvGrpSpPr>
+        <p:cNvPr id="1" name=""/>
+        <p:cNvGrpSpPr/>
+        <p:nvPr/>
+      </p:nvGrpSpPr>
+      <p:grpSpPr>
+        <a:xfrm>
+          <a:off x="0" y="0"/>
+          <a:ext cx="0" cy="0"/>
+          <a:chOff x="0" y="0"/>
+          <a:chExt cx="0" cy="0"/>
+        </a:xfrm>
+      </p:grpSpPr>
+      <p:grpSp>
+        <p:nvGrpSpPr>
+          <p:cNvPr id="4" name="図形グループ 3"/>
+          <p:cNvGrpSpPr/>
+          <p:nvPr/>
+        </p:nvGrpSpPr>
+        <p:grpSpPr>
+          <a:xfrm>
+            <a:off x="1394587" y="117898"/>
+            <a:ext cx="6502400" cy="6502400"/>
+            <a:chOff x="1394587" y="117898"/>
+            <a:chExt cx="6502400" cy="6502400"/>
+          </a:xfrm>
+        </p:grpSpPr>
+        <p:pic>
+          <p:nvPicPr>
+            <p:cNvPr id="6" name="図 5"/>
+            <p:cNvPicPr>
+              <a:picLocks noChangeAspect="1"/>
+            </p:cNvPicPr>
+            <p:nvPr/>
+          </p:nvPicPr>
+          <p:blipFill>
+            <a:blip r:embed="rId2">
+              <a:grayscl/>
+              <a:extLst>
+                <a:ext uri="{BEBA8EAE-BF5A-486C-A8C5-ECC9F3942E4B}">
+                  <a14:imgProps xmlns:a14="http://schemas.microsoft.com/office/drawing/2010/main">
+                    <a14:imgLayer r:embed="rId3">
+                      <a14:imgEffect>
+                        <a14:artisticLightScreen/>
+                      </a14:imgEffect>
+                      <a14:imgEffect>
+                        <a14:saturation sat="26000"/>
+                      </a14:imgEffect>
+                      <a14:imgEffect>
+                        <a14:brightnessContrast bright="50000"/>
+                      </a14:imgEffect>
+                    </a14:imgLayer>
+                  </a14:imgProps>
+                </a:ext>
+              </a:extLst>
+            </a:blip>
+            <a:stretch>
+              <a:fillRect/>
+            </a:stretch>
+          </p:blipFill>
+          <p:spPr>
+            <a:xfrm>
+              <a:off x="1394587" y="117898"/>
+              <a:ext cx="6502400" cy="6502400"/>
+            </a:xfrm>
+            <a:prstGeom prst="rect">
+              <a:avLst/>
+            </a:prstGeom>
+            <a:solidFill>
+              <a:schemeClr val="tx1">
+                <a:lumMod val="50000"/>
+                <a:lumOff val="50000"/>
+              </a:schemeClr>
+            </a:solidFill>
+          </p:spPr>
+        </p:pic>
+        <p:pic>
+          <p:nvPicPr>
+            <p:cNvPr id="2" name="図 1"/>
+            <p:cNvPicPr>
+              <a:picLocks noChangeAspect="1"/>
+            </p:cNvPicPr>
+            <p:nvPr/>
+          </p:nvPicPr>
+          <p:blipFill>
+            <a:blip r:embed="rId4"/>
+            <a:stretch>
+              <a:fillRect/>
+            </a:stretch>
+          </p:blipFill>
+          <p:spPr>
+            <a:xfrm>
+              <a:off x="2699338" y="1540775"/>
+              <a:ext cx="3767098" cy="3767098"/>
+            </a:xfrm>
+            <a:prstGeom prst="rect">
+              <a:avLst/>
+            </a:prstGeom>
+          </p:spPr>
+        </p:pic>
+      </p:grpSp>
+    </p:spTree>
+    <p:extLst>
+      <p:ext uri="{BB962C8B-B14F-4D97-AF65-F5344CB8AC3E}">
+        <p14:creationId xmlns:p14="http://schemas.microsoft.com/office/powerpoint/2010/main" val="3705279698"/>
+      </p:ext>
+    </p:extLst>
+  </p:cSld>
+  <p:clrMapOvr>
+    <a:masterClrMapping/>
+  </p:clrMapOvr>
+  <p:timing>
+    <p:tnLst>
+      <p:par>
+        <p:cTn xmlns:p14="http://schemas.microsoft.com/office/powerpoint/2010/main" id="1" dur="indefinite" restart="never" nodeType="tmRoot"/>
+      </p:par>
+    </p:tnLst>
+  </p:timing>
+</p:sld>
+</file>
+
+<file path=ppt/slides/slide4.xml><?xml version="1.0" encoding="utf-8"?>
+<p:sld xmlns:a="http://schemas.openxmlformats.org/drawingml/2006/main" xmlns:r="http://schemas.openxmlformats.org/officeDocument/2006/relationships" xmlns:p="http://schemas.openxmlformats.org/presentationml/2006/main">
+  <p:cSld>
+    <p:spTree>
+      <p:nvGrpSpPr>
+        <p:cNvPr id="1" name=""/>
+        <p:cNvGrpSpPr/>
+        <p:nvPr/>
+      </p:nvGrpSpPr>
+      <p:grpSpPr>
+        <a:xfrm>
+          <a:off x="0" y="0"/>
+          <a:ext cx="0" cy="0"/>
+          <a:chOff x="0" y="0"/>
+          <a:chExt cx="0" cy="0"/>
+        </a:xfrm>
+      </p:grpSpPr>
+      <p:sp>
+        <p:nvSpPr>
+          <p:cNvPr id="4" name="正方形/長方形 3"/>
+          <p:cNvSpPr>
+            <a:spLocks noChangeAspect="1"/>
+          </p:cNvSpPr>
+          <p:nvPr/>
+        </p:nvSpPr>
+        <p:spPr>
+          <a:xfrm>
+            <a:off x="670768" y="109838"/>
+            <a:ext cx="3940533" cy="6748162"/>
+          </a:xfrm>
+          <a:prstGeom prst="rect">
+            <a:avLst/>
+          </a:prstGeom>
+          <a:ln>
+            <a:noFill/>
+          </a:ln>
+        </p:spPr>
+        <p:style>
+          <a:lnRef idx="1">
+            <a:schemeClr val="dk1"/>
+          </a:lnRef>
+          <a:fillRef idx="3">
+            <a:schemeClr val="dk1"/>
+          </a:fillRef>
+          <a:effectRef idx="2">
+            <a:schemeClr val="dk1"/>
+          </a:effectRef>
+          <a:fontRef idx="minor">
+            <a:schemeClr val="lt1"/>
+          </a:fontRef>
+        </p:style>
+        <p:txBody>
+          <a:bodyPr rtlCol="0" anchor="ctr"/>
+          <a:lstStyle/>
+          <a:p>
+            <a:pPr algn="ctr"/>
+            <a:endParaRPr kumimoji="1" lang="en-US" altLang="ja-JP" dirty="0" smtClean="0"/>
+          </a:p>
+          <a:p>
+            <a:pPr algn="ctr"/>
+            <a:r>
+              <a:rPr kumimoji="1" lang="en-US" altLang="ja-JP" dirty="0" err="1" smtClean="0"/>
+              <a:t>ç</a:t>
+            </a:r>
+            <a:r>
+              <a:rPr kumimoji="1" lang="en-US" altLang="ja-JP" dirty="0" smtClean="0"/>
+              <a:t>√</a:t>
+            </a:r>
+            <a:endParaRPr kumimoji="1" lang="ja-JP" altLang="en-US" dirty="0"/>
+          </a:p>
+        </p:txBody>
+      </p:sp>
+      <p:pic>
+        <p:nvPicPr>
+          <p:cNvPr id="5" name="図 4" descr="iOSシミュレータのスクリーンショット_2013 (1).png"/>
+          <p:cNvPicPr>
+            <a:picLocks noChangeAspect="1"/>
+          </p:cNvPicPr>
+          <p:nvPr/>
+        </p:nvPicPr>
+        <p:blipFill>
+          <a:blip r:embed="rId2">
+            <a:extLst>
+              <a:ext uri="{28A0092B-C50C-407E-A947-70E740481C1C}">
+                <a14:useLocalDpi xmlns:a14="http://schemas.microsoft.com/office/drawing/2010/main" val="0"/>
+              </a:ext>
+            </a:extLst>
+          </a:blip>
+          <a:stretch>
+            <a:fillRect/>
+          </a:stretch>
+        </p:blipFill>
+        <p:spPr>
+          <a:xfrm>
+            <a:off x="881024" y="283566"/>
+            <a:ext cx="2065770" cy="4087743"/>
+          </a:xfrm>
+          <a:prstGeom prst="rect">
+            <a:avLst/>
+          </a:prstGeom>
+        </p:spPr>
+      </p:pic>
+      <p:pic>
+        <p:nvPicPr>
+          <p:cNvPr id="6" name="図 5" descr="iOSシミュレータのスクリーンショット_2013.png"/>
+          <p:cNvPicPr>
+            <a:picLocks noChangeAspect="1"/>
+          </p:cNvPicPr>
+          <p:nvPr/>
+        </p:nvPicPr>
+        <p:blipFill>
+          <a:blip r:embed="rId3">
+            <a:extLst>
+              <a:ext uri="{28A0092B-C50C-407E-A947-70E740481C1C}">
+                <a14:useLocalDpi xmlns:a14="http://schemas.microsoft.com/office/drawing/2010/main" val="0"/>
+              </a:ext>
+            </a:extLst>
+          </a:blip>
+          <a:stretch>
+            <a:fillRect/>
+          </a:stretch>
+        </p:blipFill>
+        <p:spPr>
+          <a:xfrm>
+            <a:off x="2367712" y="2527443"/>
+            <a:ext cx="2101250" cy="4157951"/>
+          </a:xfrm>
+          <a:prstGeom prst="rect">
+            <a:avLst/>
+          </a:prstGeom>
+        </p:spPr>
+      </p:pic>
+      <p:sp>
+        <p:nvSpPr>
+          <p:cNvPr id="8" name="曲折矢印 7"/>
+          <p:cNvSpPr/>
+          <p:nvPr/>
+        </p:nvSpPr>
+        <p:spPr>
+          <a:xfrm rot="10800000" flipH="1">
+            <a:off x="1294616" y="3994592"/>
+            <a:ext cx="1417913" cy="1618790"/>
+          </a:xfrm>
+          <a:prstGeom prst="bentArrow">
+            <a:avLst>
+              <a:gd name="adj1" fmla="val 25000"/>
+              <a:gd name="adj2" fmla="val 21087"/>
+              <a:gd name="adj3" fmla="val 33696"/>
+              <a:gd name="adj4" fmla="val 43750"/>
+            </a:avLst>
+          </a:prstGeom>
+        </p:spPr>
+        <p:style>
+          <a:lnRef idx="1">
+            <a:schemeClr val="dk1"/>
+          </a:lnRef>
+          <a:fillRef idx="2">
+            <a:schemeClr val="dk1"/>
+          </a:fillRef>
+          <a:effectRef idx="1">
+            <a:schemeClr val="dk1"/>
+          </a:effectRef>
+          <a:fontRef idx="minor">
+            <a:schemeClr val="dk1"/>
+          </a:fontRef>
+        </p:style>
+        <p:txBody>
+          <a:bodyPr rtlCol="0" anchor="ctr"/>
+          <a:lstStyle/>
+          <a:p>
+            <a:pPr algn="ctr"/>
+            <a:endParaRPr kumimoji="1" lang="ja-JP" altLang="en-US">
+              <a:solidFill>
+                <a:schemeClr val="tx1"/>
+              </a:solidFill>
+            </a:endParaRPr>
+          </a:p>
+        </p:txBody>
+      </p:sp>
+      <p:sp>
+        <p:nvSpPr>
+          <p:cNvPr id="9" name="テキスト ボックス 8"/>
+          <p:cNvSpPr txBox="1"/>
+          <p:nvPr/>
+        </p:nvSpPr>
+        <p:spPr>
+          <a:xfrm>
+            <a:off x="2918593" y="986320"/>
+            <a:ext cx="1550369" cy="707886"/>
+          </a:xfrm>
+          <a:prstGeom prst="rect">
+            <a:avLst/>
+          </a:prstGeom>
+        </p:spPr>
+        <p:style>
+          <a:lnRef idx="2">
+            <a:schemeClr val="dk1"/>
+          </a:lnRef>
+          <a:fillRef idx="1">
+            <a:schemeClr val="lt1"/>
+          </a:fillRef>
+          <a:effectRef idx="0">
+            <a:schemeClr val="dk1"/>
+          </a:effectRef>
+          <a:fontRef idx="minor">
+            <a:schemeClr val="dk1"/>
+          </a:fontRef>
+        </p:style>
+        <p:txBody>
+          <a:bodyPr wrap="square" rtlCol="0">
+            <a:spAutoFit/>
+          </a:bodyPr>
+          <a:lstStyle/>
+          <a:p>
+            <a:r>
+              <a:rPr kumimoji="1" lang="en-US" altLang="ja-JP" sz="2000" dirty="0" smtClean="0">
+                <a:latin typeface="Osaka"/>
+                <a:ea typeface="Osaka"/>
+                <a:cs typeface="Osaka"/>
+              </a:rPr>
+              <a:t>make your face funny</a:t>
+            </a:r>
+            <a:endParaRPr kumimoji="1" lang="ja-JP" altLang="en-US" sz="2000" dirty="0">
+              <a:latin typeface="Osaka"/>
+              <a:ea typeface="Osaka"/>
+              <a:cs typeface="Osaka"/>
+            </a:endParaRPr>
+          </a:p>
+        </p:txBody>
+      </p:sp>
+      <p:sp>
+        <p:nvSpPr>
+          <p:cNvPr id="10" name="正方形/長方形 9"/>
+          <p:cNvSpPr>
+            <a:spLocks noChangeAspect="1"/>
+          </p:cNvSpPr>
+          <p:nvPr/>
+        </p:nvSpPr>
+        <p:spPr>
+          <a:xfrm>
+            <a:off x="4953611" y="109838"/>
+            <a:ext cx="3940533" cy="6748162"/>
+          </a:xfrm>
+          <a:prstGeom prst="rect">
+            <a:avLst/>
+          </a:prstGeom>
+          <a:ln>
+            <a:noFill/>
+          </a:ln>
+        </p:spPr>
+        <p:style>
+          <a:lnRef idx="1">
+            <a:schemeClr val="dk1"/>
+          </a:lnRef>
+          <a:fillRef idx="3">
+            <a:schemeClr val="dk1"/>
+          </a:fillRef>
+          <a:effectRef idx="2">
+            <a:schemeClr val="dk1"/>
+          </a:effectRef>
+          <a:fontRef idx="minor">
+            <a:schemeClr val="lt1"/>
+          </a:fontRef>
+        </p:style>
+        <p:txBody>
+          <a:bodyPr rtlCol="0" anchor="ctr"/>
+          <a:lstStyle/>
+          <a:p>
+            <a:pPr algn="ctr"/>
+            <a:endParaRPr kumimoji="1" lang="en-US" altLang="ja-JP" dirty="0" smtClean="0"/>
+          </a:p>
+          <a:p>
+            <a:pPr algn="ctr"/>
+            <a:endParaRPr kumimoji="1" lang="ja-JP" altLang="en-US" dirty="0"/>
+          </a:p>
+        </p:txBody>
+      </p:sp>
+      <p:sp>
+        <p:nvSpPr>
+          <p:cNvPr id="11" name="テキスト ボックス 10"/>
+          <p:cNvSpPr txBox="1"/>
+          <p:nvPr/>
+        </p:nvSpPr>
+        <p:spPr>
+          <a:xfrm>
+            <a:off x="6880762" y="5373119"/>
+            <a:ext cx="1830996" cy="954107"/>
+          </a:xfrm>
+          <a:prstGeom prst="rect">
+            <a:avLst/>
+          </a:prstGeom>
+        </p:spPr>
+        <p:style>
+          <a:lnRef idx="2">
+            <a:schemeClr val="dk1"/>
+          </a:lnRef>
+          <a:fillRef idx="1">
+            <a:schemeClr val="lt1"/>
+          </a:fillRef>
+          <a:effectRef idx="0">
+            <a:schemeClr val="dk1"/>
+          </a:effectRef>
+          <a:fontRef idx="minor">
+            <a:schemeClr val="dk1"/>
+          </a:fontRef>
+        </p:style>
+        <p:txBody>
+          <a:bodyPr wrap="square" rtlCol="0">
+            <a:spAutoFit/>
+          </a:bodyPr>
+          <a:lstStyle/>
+          <a:p>
+            <a:r>
+              <a:rPr lang="en-US" altLang="ja-JP" sz="2800" dirty="0" smtClean="0">
+                <a:latin typeface="Osaka"/>
+                <a:ea typeface="Osaka"/>
+                <a:cs typeface="Osaka"/>
+              </a:rPr>
+              <a:t>10 Filters No Limit</a:t>
+            </a:r>
+          </a:p>
+        </p:txBody>
+      </p:sp>
+      <p:pic>
+        <p:nvPicPr>
+          <p:cNvPr id="12" name="図 11" descr="Screenshot 2013.03.30 19.30.25.png"/>
+          <p:cNvPicPr>
+            <a:picLocks noChangeAspect="1"/>
+          </p:cNvPicPr>
+          <p:nvPr/>
+        </p:nvPicPr>
+        <p:blipFill>
+          <a:blip r:embed="rId4">
+            <a:extLst>
+              <a:ext uri="{28A0092B-C50C-407E-A947-70E740481C1C}">
+                <a14:useLocalDpi xmlns:a14="http://schemas.microsoft.com/office/drawing/2010/main" val="0"/>
+              </a:ext>
+            </a:extLst>
+          </a:blip>
+          <a:stretch>
+            <a:fillRect/>
+          </a:stretch>
+        </p:blipFill>
+        <p:spPr>
+          <a:xfrm>
+            <a:off x="5280092" y="234250"/>
+            <a:ext cx="1401972" cy="2035050"/>
+          </a:xfrm>
+          <a:prstGeom prst="rect">
+            <a:avLst/>
+          </a:prstGeom>
+        </p:spPr>
+      </p:pic>
+      <p:pic>
+        <p:nvPicPr>
+          <p:cNvPr id="13" name="図 12" descr="Screenshot 2013.03.30 19.30.52.png"/>
+          <p:cNvPicPr>
+            <a:picLocks noChangeAspect="1"/>
+          </p:cNvPicPr>
+          <p:nvPr/>
+        </p:nvPicPr>
+        <p:blipFill>
+          <a:blip r:embed="rId5">
+            <a:extLst>
+              <a:ext uri="{28A0092B-C50C-407E-A947-70E740481C1C}">
+                <a14:useLocalDpi xmlns:a14="http://schemas.microsoft.com/office/drawing/2010/main" val="0"/>
+              </a:ext>
+            </a:extLst>
+          </a:blip>
+          <a:stretch>
+            <a:fillRect/>
+          </a:stretch>
+        </p:blipFill>
+        <p:spPr>
+          <a:xfrm>
+            <a:off x="7052904" y="234250"/>
+            <a:ext cx="1406513" cy="2035050"/>
+          </a:xfrm>
+          <a:prstGeom prst="rect">
+            <a:avLst/>
+          </a:prstGeom>
+        </p:spPr>
+      </p:pic>
+      <p:pic>
+        <p:nvPicPr>
+          <p:cNvPr id="14" name="図 13" descr="Screenshot 2013.03.30 19.31.06.png"/>
+          <p:cNvPicPr>
+            <a:picLocks noChangeAspect="1"/>
+          </p:cNvPicPr>
+          <p:nvPr/>
+        </p:nvPicPr>
+        <p:blipFill>
+          <a:blip r:embed="rId6">
+            <a:extLst>
+              <a:ext uri="{28A0092B-C50C-407E-A947-70E740481C1C}">
+                <a14:useLocalDpi xmlns:a14="http://schemas.microsoft.com/office/drawing/2010/main" val="0"/>
+              </a:ext>
+            </a:extLst>
+          </a:blip>
+          <a:stretch>
+            <a:fillRect/>
+          </a:stretch>
+        </p:blipFill>
+        <p:spPr>
+          <a:xfrm>
+            <a:off x="5289122" y="2429420"/>
+            <a:ext cx="1401972" cy="2046003"/>
+          </a:xfrm>
+          <a:prstGeom prst="rect">
+            <a:avLst/>
+          </a:prstGeom>
+        </p:spPr>
+      </p:pic>
+      <p:pic>
+        <p:nvPicPr>
+          <p:cNvPr id="15" name="図 14" descr="Screenshot 2013.03.30 19.31.31.png"/>
+          <p:cNvPicPr>
+            <a:picLocks noChangeAspect="1"/>
+          </p:cNvPicPr>
+          <p:nvPr/>
+        </p:nvPicPr>
+        <p:blipFill>
+          <a:blip r:embed="rId7">
+            <a:extLst>
+              <a:ext uri="{28A0092B-C50C-407E-A947-70E740481C1C}">
+                <a14:useLocalDpi xmlns:a14="http://schemas.microsoft.com/office/drawing/2010/main" val="0"/>
+              </a:ext>
+            </a:extLst>
+          </a:blip>
+          <a:stretch>
+            <a:fillRect/>
+          </a:stretch>
+        </p:blipFill>
+        <p:spPr>
+          <a:xfrm>
+            <a:off x="7061934" y="2429420"/>
+            <a:ext cx="1397483" cy="2046003"/>
+          </a:xfrm>
+          <a:prstGeom prst="rect">
+            <a:avLst/>
+          </a:prstGeom>
+        </p:spPr>
+      </p:pic>
+      <p:pic>
+        <p:nvPicPr>
+          <p:cNvPr id="16" name="図 15" descr="Screenshot 2013.03.30 19.33.03.png"/>
+          <p:cNvPicPr>
+            <a:picLocks noChangeAspect="1"/>
+          </p:cNvPicPr>
+          <p:nvPr/>
+        </p:nvPicPr>
+        <p:blipFill>
+          <a:blip r:embed="rId8">
+            <a:extLst>
+              <a:ext uri="{28A0092B-C50C-407E-A947-70E740481C1C}">
+                <a14:useLocalDpi xmlns:a14="http://schemas.microsoft.com/office/drawing/2010/main" val="0"/>
+              </a:ext>
+            </a:extLst>
+          </a:blip>
+          <a:stretch>
+            <a:fillRect/>
+          </a:stretch>
+        </p:blipFill>
+        <p:spPr>
+          <a:xfrm>
+            <a:off x="5280007" y="4648028"/>
+            <a:ext cx="1402057" cy="2037365"/>
+          </a:xfrm>
+          <a:prstGeom prst="rect">
+            <a:avLst/>
+          </a:prstGeom>
+        </p:spPr>
+      </p:pic>
+    </p:spTree>
+    <p:extLst>
+      <p:ext uri="{BB962C8B-B14F-4D97-AF65-F5344CB8AC3E}">
+        <p14:creationId xmlns:p14="http://schemas.microsoft.com/office/powerpoint/2010/main" val="469435596"/>
+      </p:ext>
+    </p:extLst>
+  </p:cSld>
+  <p:clrMapOvr>
+    <a:masterClrMapping/>
+  </p:clrMapOvr>
+</p:sld>
+</file>
+
+<file path=ppt/slides/slide5.xml><?xml version="1.0" encoding="utf-8"?>
+<p:sld xmlns:a="http://schemas.openxmlformats.org/drawingml/2006/main" xmlns:r="http://schemas.openxmlformats.org/officeDocument/2006/relationships" xmlns:p="http://schemas.openxmlformats.org/presentationml/2006/main">
+  <p:cSld>
+    <p:spTree>
+      <p:nvGrpSpPr>
+        <p:cNvPr id="1" name=""/>
+        <p:cNvGrpSpPr/>
+        <p:nvPr/>
+      </p:nvGrpSpPr>
+      <p:grpSpPr>
+        <a:xfrm>
+          <a:off x="0" y="0"/>
+          <a:ext cx="0" cy="0"/>
+          <a:chOff x="0" y="0"/>
+          <a:chExt cx="0" cy="0"/>
+        </a:xfrm>
+      </p:grpSpPr>
+      <p:sp>
+        <p:nvSpPr>
+          <p:cNvPr id="4" name="正方形/長方形 3"/>
+          <p:cNvSpPr>
+            <a:spLocks noChangeAspect="1"/>
+          </p:cNvSpPr>
+          <p:nvPr/>
+        </p:nvSpPr>
+        <p:spPr>
+          <a:xfrm>
+            <a:off x="670767" y="109838"/>
+            <a:ext cx="4064000" cy="6096000"/>
+          </a:xfrm>
+          <a:prstGeom prst="rect">
+            <a:avLst/>
+          </a:prstGeom>
+          <a:ln>
+            <a:noFill/>
+          </a:ln>
+        </p:spPr>
+        <p:style>
+          <a:lnRef idx="1">
+            <a:schemeClr val="dk1"/>
+          </a:lnRef>
+          <a:fillRef idx="3">
+            <a:schemeClr val="dk1"/>
+          </a:fillRef>
+          <a:effectRef idx="2">
+            <a:schemeClr val="dk1"/>
+          </a:effectRef>
+          <a:fontRef idx="minor">
+            <a:schemeClr val="lt1"/>
+          </a:fontRef>
+        </p:style>
+        <p:txBody>
+          <a:bodyPr rtlCol="0" anchor="ctr"/>
+          <a:lstStyle/>
+          <a:p>
+            <a:pPr algn="ctr"/>
+            <a:endParaRPr kumimoji="1" lang="en-US" altLang="ja-JP" dirty="0" smtClean="0"/>
+          </a:p>
+          <a:p>
+            <a:pPr algn="ctr"/>
+            <a:endParaRPr kumimoji="1" lang="ja-JP" altLang="en-US" dirty="0"/>
+          </a:p>
+        </p:txBody>
+      </p:sp>
+      <p:pic>
+        <p:nvPicPr>
+          <p:cNvPr id="2" name="図 1" descr="iOSシミュレータのスクリーンショット_2013 (3).png"/>
+          <p:cNvPicPr>
+            <a:picLocks noChangeAspect="1"/>
+          </p:cNvPicPr>
+          <p:nvPr/>
+        </p:nvPicPr>
+        <p:blipFill>
+          <a:blip r:embed="rId2">
+            <a:extLst>
+              <a:ext uri="{28A0092B-C50C-407E-A947-70E740481C1C}">
+                <a14:useLocalDpi xmlns:a14="http://schemas.microsoft.com/office/drawing/2010/main" val="0"/>
+              </a:ext>
+            </a:extLst>
+          </a:blip>
+          <a:stretch>
+            <a:fillRect/>
+          </a:stretch>
+        </p:blipFill>
+        <p:spPr>
+          <a:xfrm>
+            <a:off x="754762" y="212167"/>
+            <a:ext cx="2415589" cy="4428580"/>
+          </a:xfrm>
+          <a:prstGeom prst="rect">
+            <a:avLst/>
+          </a:prstGeom>
+        </p:spPr>
+      </p:pic>
+      <p:pic>
+        <p:nvPicPr>
+          <p:cNvPr id="3" name="図 2" descr="iOSシミュレータのスクリーンショット_2013 (2).png"/>
+          <p:cNvPicPr>
+            <a:picLocks noChangeAspect="1"/>
+          </p:cNvPicPr>
+          <p:nvPr/>
+        </p:nvPicPr>
+        <p:blipFill>
+          <a:blip r:embed="rId3">
+            <a:extLst>
+              <a:ext uri="{28A0092B-C50C-407E-A947-70E740481C1C}">
+                <a14:useLocalDpi xmlns:a14="http://schemas.microsoft.com/office/drawing/2010/main" val="0"/>
+              </a:ext>
+            </a:extLst>
+          </a:blip>
+          <a:stretch>
+            <a:fillRect/>
+          </a:stretch>
+        </p:blipFill>
+        <p:spPr>
+          <a:xfrm>
+            <a:off x="2319178" y="1780302"/>
+            <a:ext cx="2415589" cy="4428580"/>
+          </a:xfrm>
+          <a:prstGeom prst="rect">
+            <a:avLst/>
+          </a:prstGeom>
+        </p:spPr>
+      </p:pic>
+      <p:sp>
+        <p:nvSpPr>
+          <p:cNvPr id="9" name="テキスト ボックス 8"/>
+          <p:cNvSpPr txBox="1"/>
+          <p:nvPr/>
+        </p:nvSpPr>
+        <p:spPr>
+          <a:xfrm>
+            <a:off x="2918593" y="986320"/>
+            <a:ext cx="1550369" cy="707886"/>
+          </a:xfrm>
+          <a:prstGeom prst="rect">
+            <a:avLst/>
+          </a:prstGeom>
+        </p:spPr>
+        <p:style>
+          <a:lnRef idx="2">
+            <a:schemeClr val="dk1"/>
+          </a:lnRef>
+          <a:fillRef idx="1">
+            <a:schemeClr val="lt1"/>
+          </a:fillRef>
+          <a:effectRef idx="0">
+            <a:schemeClr val="dk1"/>
+          </a:effectRef>
+          <a:fontRef idx="minor">
+            <a:schemeClr val="dk1"/>
+          </a:fontRef>
+        </p:style>
+        <p:txBody>
+          <a:bodyPr wrap="square" rtlCol="0">
+            <a:spAutoFit/>
+          </a:bodyPr>
+          <a:lstStyle/>
+          <a:p>
+            <a:r>
+              <a:rPr kumimoji="1" lang="en-US" altLang="ja-JP" sz="2000" dirty="0" smtClean="0">
+                <a:latin typeface="Osaka"/>
+                <a:ea typeface="Osaka"/>
+                <a:cs typeface="Osaka"/>
+              </a:rPr>
+              <a:t>make your face funny</a:t>
+            </a:r>
+            <a:endParaRPr kumimoji="1" lang="ja-JP" altLang="en-US" sz="2000" dirty="0">
+              <a:latin typeface="Osaka"/>
+              <a:ea typeface="Osaka"/>
+              <a:cs typeface="Osaka"/>
+            </a:endParaRPr>
+          </a:p>
+        </p:txBody>
+      </p:sp>
+      <p:sp>
+        <p:nvSpPr>
+          <p:cNvPr id="8" name="曲折矢印 7"/>
+          <p:cNvSpPr/>
+          <p:nvPr/>
+        </p:nvSpPr>
+        <p:spPr>
+          <a:xfrm rot="10800000" flipH="1">
+            <a:off x="1294616" y="3994592"/>
+            <a:ext cx="1417913" cy="1618790"/>
+          </a:xfrm>
+          <a:prstGeom prst="bentArrow">
+            <a:avLst>
+              <a:gd name="adj1" fmla="val 25000"/>
+              <a:gd name="adj2" fmla="val 21087"/>
+              <a:gd name="adj3" fmla="val 33696"/>
+              <a:gd name="adj4" fmla="val 43750"/>
+            </a:avLst>
+          </a:prstGeom>
+        </p:spPr>
+        <p:style>
+          <a:lnRef idx="1">
+            <a:schemeClr val="dk1"/>
+          </a:lnRef>
+          <a:fillRef idx="2">
+            <a:schemeClr val="dk1"/>
+          </a:fillRef>
+          <a:effectRef idx="1">
+            <a:schemeClr val="dk1"/>
+          </a:effectRef>
+          <a:fontRef idx="minor">
+            <a:schemeClr val="dk1"/>
+          </a:fontRef>
+        </p:style>
+        <p:txBody>
+          <a:bodyPr rtlCol="0" anchor="ctr"/>
+          <a:lstStyle/>
+          <a:p>
+            <a:pPr algn="ctr"/>
+            <a:endParaRPr kumimoji="1" lang="ja-JP" altLang="en-US">
+              <a:solidFill>
+                <a:schemeClr val="tx1"/>
+              </a:solidFill>
+            </a:endParaRPr>
+          </a:p>
+        </p:txBody>
+      </p:sp>
+      <p:sp>
+        <p:nvSpPr>
+          <p:cNvPr id="17" name="正方形/長方形 16"/>
+          <p:cNvSpPr>
+            <a:spLocks noChangeAspect="1"/>
+          </p:cNvSpPr>
+          <p:nvPr/>
+        </p:nvSpPr>
+        <p:spPr>
+          <a:xfrm>
+            <a:off x="5080000" y="109838"/>
+            <a:ext cx="4064000" cy="6096000"/>
+          </a:xfrm>
+          <a:prstGeom prst="rect">
+            <a:avLst/>
+          </a:prstGeom>
+          <a:ln>
+            <a:noFill/>
+          </a:ln>
+        </p:spPr>
+        <p:style>
+          <a:lnRef idx="1">
+            <a:schemeClr val="dk1"/>
+          </a:lnRef>
+          <a:fillRef idx="3">
+            <a:schemeClr val="dk1"/>
+          </a:fillRef>
+          <a:effectRef idx="2">
+            <a:schemeClr val="dk1"/>
+          </a:effectRef>
+          <a:fontRef idx="minor">
+            <a:schemeClr val="lt1"/>
+          </a:fontRef>
+        </p:style>
+        <p:txBody>
+          <a:bodyPr rtlCol="0" anchor="ctr"/>
+          <a:lstStyle/>
+          <a:p>
+            <a:pPr algn="ctr"/>
+            <a:endParaRPr kumimoji="1" lang="en-US" altLang="ja-JP" dirty="0" smtClean="0"/>
+          </a:p>
+          <a:p>
+            <a:pPr algn="ctr"/>
+            <a:endParaRPr kumimoji="1" lang="ja-JP" altLang="en-US" dirty="0"/>
+          </a:p>
+        </p:txBody>
+      </p:sp>
+      <p:sp>
+        <p:nvSpPr>
+          <p:cNvPr id="11" name="テキスト ボックス 10"/>
+          <p:cNvSpPr txBox="1"/>
+          <p:nvPr/>
+        </p:nvSpPr>
+        <p:spPr>
+          <a:xfrm>
+            <a:off x="5393169" y="4878266"/>
+            <a:ext cx="3446202" cy="523220"/>
+          </a:xfrm>
+          <a:prstGeom prst="rect">
+            <a:avLst/>
+          </a:prstGeom>
+        </p:spPr>
+        <p:style>
+          <a:lnRef idx="2">
+            <a:schemeClr val="dk1"/>
+          </a:lnRef>
+          <a:fillRef idx="1">
+            <a:schemeClr val="lt1"/>
+          </a:fillRef>
+          <a:effectRef idx="0">
+            <a:schemeClr val="dk1"/>
+          </a:effectRef>
+          <a:fontRef idx="minor">
+            <a:schemeClr val="dk1"/>
+          </a:fontRef>
+        </p:style>
+        <p:txBody>
+          <a:bodyPr wrap="square" rtlCol="0">
+            <a:spAutoFit/>
+          </a:bodyPr>
+          <a:lstStyle/>
+          <a:p>
+            <a:r>
+              <a:rPr lang="en-US" altLang="ja-JP" sz="2800" dirty="0" smtClean="0">
+                <a:latin typeface="Osaka"/>
+                <a:ea typeface="Osaka"/>
+                <a:cs typeface="Osaka"/>
+              </a:rPr>
+              <a:t>10 Filters No Limit</a:t>
+            </a:r>
+          </a:p>
+        </p:txBody>
+      </p:sp>
+      <p:pic>
+        <p:nvPicPr>
+          <p:cNvPr id="12" name="図 11" descr="Screenshot 2013.03.30 19.30.25.png"/>
+          <p:cNvPicPr>
+            <a:picLocks noChangeAspect="1"/>
+          </p:cNvPicPr>
+          <p:nvPr/>
+        </p:nvPicPr>
+        <p:blipFill>
+          <a:blip r:embed="rId4">
+            <a:extLst>
+              <a:ext uri="{28A0092B-C50C-407E-A947-70E740481C1C}">
+                <a14:useLocalDpi xmlns:a14="http://schemas.microsoft.com/office/drawing/2010/main" val="0"/>
+              </a:ext>
+            </a:extLst>
+          </a:blip>
+          <a:stretch>
+            <a:fillRect/>
+          </a:stretch>
+        </p:blipFill>
+        <p:spPr>
+          <a:xfrm>
+            <a:off x="5261826" y="493158"/>
+            <a:ext cx="1184216" cy="1718963"/>
+          </a:xfrm>
+          <a:prstGeom prst="rect">
+            <a:avLst/>
+          </a:prstGeom>
+        </p:spPr>
+      </p:pic>
+      <p:pic>
+        <p:nvPicPr>
+          <p:cNvPr id="13" name="図 12" descr="Screenshot 2013.03.30 19.30.52.png"/>
+          <p:cNvPicPr>
+            <a:picLocks noChangeAspect="1"/>
+          </p:cNvPicPr>
+          <p:nvPr/>
+        </p:nvPicPr>
+        <p:blipFill>
+          <a:blip r:embed="rId5">
+            <a:extLst>
+              <a:ext uri="{28A0092B-C50C-407E-A947-70E740481C1C}">
+                <a14:useLocalDpi xmlns:a14="http://schemas.microsoft.com/office/drawing/2010/main" val="0"/>
+              </a:ext>
+            </a:extLst>
+          </a:blip>
+          <a:stretch>
+            <a:fillRect/>
+          </a:stretch>
+        </p:blipFill>
+        <p:spPr>
+          <a:xfrm>
+            <a:off x="6525260" y="493158"/>
+            <a:ext cx="1188051" cy="1718963"/>
+          </a:xfrm>
+          <a:prstGeom prst="rect">
+            <a:avLst/>
+          </a:prstGeom>
+        </p:spPr>
+      </p:pic>
+      <p:pic>
+        <p:nvPicPr>
+          <p:cNvPr id="14" name="図 13" descr="Screenshot 2013.03.30 19.31.06.png"/>
+          <p:cNvPicPr>
+            <a:picLocks noChangeAspect="1"/>
+          </p:cNvPicPr>
+          <p:nvPr/>
+        </p:nvPicPr>
+        <p:blipFill>
+          <a:blip r:embed="rId6">
+            <a:extLst>
+              <a:ext uri="{28A0092B-C50C-407E-A947-70E740481C1C}">
+                <a14:useLocalDpi xmlns:a14="http://schemas.microsoft.com/office/drawing/2010/main" val="0"/>
+              </a:ext>
+            </a:extLst>
+          </a:blip>
+          <a:stretch>
+            <a:fillRect/>
+          </a:stretch>
+        </p:blipFill>
+        <p:spPr>
+          <a:xfrm>
+            <a:off x="7792529" y="493159"/>
+            <a:ext cx="1184216" cy="1728215"/>
+          </a:xfrm>
+          <a:prstGeom prst="rect">
+            <a:avLst/>
+          </a:prstGeom>
+        </p:spPr>
+      </p:pic>
+      <p:pic>
+        <p:nvPicPr>
+          <p:cNvPr id="15" name="図 14" descr="Screenshot 2013.03.30 19.31.31.png"/>
+          <p:cNvPicPr>
+            <a:picLocks noChangeAspect="1"/>
+          </p:cNvPicPr>
+          <p:nvPr/>
+        </p:nvPicPr>
+        <p:blipFill>
+          <a:blip r:embed="rId7">
+            <a:extLst>
+              <a:ext uri="{28A0092B-C50C-407E-A947-70E740481C1C}">
+                <a14:useLocalDpi xmlns:a14="http://schemas.microsoft.com/office/drawing/2010/main" val="0"/>
+              </a:ext>
+            </a:extLst>
+          </a:blip>
+          <a:stretch>
+            <a:fillRect/>
+          </a:stretch>
+        </p:blipFill>
+        <p:spPr>
+          <a:xfrm>
+            <a:off x="5265618" y="2436022"/>
+            <a:ext cx="1180424" cy="1728215"/>
+          </a:xfrm>
+          <a:prstGeom prst="rect">
+            <a:avLst/>
+          </a:prstGeom>
+        </p:spPr>
+      </p:pic>
+      <p:pic>
+        <p:nvPicPr>
+          <p:cNvPr id="16" name="図 15" descr="Screenshot 2013.03.30 19.33.03.png"/>
+          <p:cNvPicPr>
+            <a:picLocks noChangeAspect="1"/>
+          </p:cNvPicPr>
+          <p:nvPr/>
+        </p:nvPicPr>
+        <p:blipFill>
+          <a:blip r:embed="rId8">
+            <a:extLst>
+              <a:ext uri="{28A0092B-C50C-407E-A947-70E740481C1C}">
+                <a14:useLocalDpi xmlns:a14="http://schemas.microsoft.com/office/drawing/2010/main" val="0"/>
+              </a:ext>
+            </a:extLst>
+          </a:blip>
+          <a:stretch>
+            <a:fillRect/>
+          </a:stretch>
+        </p:blipFill>
+        <p:spPr>
+          <a:xfrm>
+            <a:off x="6546592" y="2443319"/>
+            <a:ext cx="1184287" cy="1720918"/>
+          </a:xfrm>
+          <a:prstGeom prst="rect">
+            <a:avLst/>
+          </a:prstGeom>
+        </p:spPr>
+      </p:pic>
+      <p:sp>
+        <p:nvSpPr>
+          <p:cNvPr id="18" name="テキスト ボックス 17"/>
+          <p:cNvSpPr txBox="1"/>
+          <p:nvPr/>
+        </p:nvSpPr>
+        <p:spPr>
+          <a:xfrm>
+            <a:off x="7730879" y="3794905"/>
+            <a:ext cx="1266242" cy="369332"/>
+          </a:xfrm>
+          <a:prstGeom prst="rect">
+            <a:avLst/>
+          </a:prstGeom>
+          <a:noFill/>
+        </p:spPr>
+        <p:txBody>
+          <a:bodyPr wrap="none" rtlCol="0">
+            <a:spAutoFit/>
+          </a:bodyPr>
+          <a:lstStyle/>
+          <a:p>
+            <a:r>
+              <a:rPr kumimoji="1" lang="en-US" altLang="ja-JP" dirty="0" smtClean="0"/>
+              <a:t>and more…</a:t>
+            </a:r>
+            <a:endParaRPr kumimoji="1" lang="ja-JP" altLang="en-US" dirty="0"/>
+          </a:p>
+        </p:txBody>
+      </p:sp>
+    </p:spTree>
+    <p:extLst>
+      <p:ext uri="{BB962C8B-B14F-4D97-AF65-F5344CB8AC3E}">
+        <p14:creationId xmlns:p14="http://schemas.microsoft.com/office/powerpoint/2010/main" val="2663087024"/>
+      </p:ext>
+    </p:extLst>
+  </p:cSld>
+  <p:clrMapOvr>
+    <a:masterClrMapping/>
+  </p:clrMapOvr>
 </p:sld>
 </file>
 
